--- a/figures/Figure1.pptx
+++ b/figures/Figure1.pptx
@@ -6128,7 +6128,7 @@
             <a:pPr algn="ctr"/>
             <a:r>
               <a:rPr lang="lt-LT" sz="1200" dirty="0" err="1"/>
-              <a:t>Artificial</a:t>
+              <a:t>Feed-forward</a:t>
             </a:r>
             <a:r>
               <a:rPr lang="lt-LT" sz="1200" dirty="0"/>
@@ -6140,7 +6140,7 @@
             </a:r>
             <a:r>
               <a:rPr lang="lt-LT" sz="1200" dirty="0"/>
-              <a:t> ANN-A</a:t>
+              <a:t> FNN-A</a:t>
             </a:r>
             <a:endParaRPr lang="en-US" sz="1200" dirty="0"/>
           </a:p>
@@ -6188,12 +6188,20 @@
           <a:p>
             <a:pPr algn="ctr"/>
             <a:r>
+              <a:rPr lang="lt-LT" sz="1200" dirty="0" err="1">
+                <a:solidFill>
+                  <a:schemeClr val="tx1"/>
+                </a:solidFill>
+              </a:rPr>
+              <a:t>Feed-forward</a:t>
+            </a:r>
+            <a:r>
               <a:rPr lang="en-US" sz="1200" dirty="0">
                 <a:solidFill>
                   <a:schemeClr val="tx1"/>
                 </a:solidFill>
               </a:rPr>
-              <a:t>Artificial neural network</a:t>
+              <a:t> neural network</a:t>
             </a:r>
             <a:r>
               <a:rPr lang="lt-LT" sz="1200" dirty="0">
@@ -6201,23 +6209,7 @@
                   <a:schemeClr val="tx1"/>
                 </a:solidFill>
               </a:rPr>
-              <a:t> </a:t>
-            </a:r>
-            <a:r>
-              <a:rPr lang="en-US" sz="1200" dirty="0">
-                <a:solidFill>
-                  <a:schemeClr val="tx1"/>
-                </a:solidFill>
-              </a:rPr>
-              <a:t>A</a:t>
-            </a:r>
-            <a:r>
-              <a:rPr lang="lt-LT" sz="1200" dirty="0">
-                <a:solidFill>
-                  <a:schemeClr val="tx1"/>
-                </a:solidFill>
-              </a:rPr>
-              <a:t>NN</a:t>
+              <a:t> FNN</a:t>
             </a:r>
             <a:endParaRPr lang="en-US" sz="1200" dirty="0">
               <a:solidFill>
